--- a/Later/Spring/9_AOP/7/AOP_ThrowsAdvice Example.pptx
+++ b/Later/Spring/9_AOP/7/AOP_ThrowsAdvice Example.pptx
@@ -3748,7 +3748,7 @@
       </p:grpSpPr>
       <p:pic>
         <p:nvPicPr>
-          <p:cNvPr id="1026" name="Picture 2"/>
+          <p:cNvPr id="3075" name="Picture 3"/>
           <p:cNvPicPr>
             <a:picLocks noChangeAspect="1" noChangeArrowheads="1"/>
           </p:cNvPicPr>
@@ -3769,8 +3769,8 @@
         </p:blipFill>
         <p:spPr bwMode="auto">
           <a:xfrm>
-            <a:off x="5143500" y="1484030"/>
-            <a:ext cx="3954462" cy="2317528"/>
+            <a:off x="4953000" y="1777716"/>
+            <a:ext cx="4038600" cy="2195231"/>
           </a:xfrm>
           <a:prstGeom prst="rect">
             <a:avLst/>
@@ -3781,20 +3781,20 @@
           <a:lnRef idx="1">
             <a:schemeClr val="accent4"/>
           </a:lnRef>
-          <a:fillRef idx="3">
+          <a:fillRef idx="2">
             <a:schemeClr val="accent4"/>
           </a:fillRef>
-          <a:effectRef idx="2">
+          <a:effectRef idx="1">
             <a:schemeClr val="accent4"/>
           </a:effectRef>
           <a:fontRef idx="minor">
-            <a:schemeClr val="lt1"/>
+            <a:schemeClr val="dk1"/>
           </a:fontRef>
         </p:style>
       </p:pic>
       <p:pic>
         <p:nvPicPr>
-          <p:cNvPr id="6" name="Picture 3"/>
+          <p:cNvPr id="3074" name="Picture 2"/>
           <p:cNvPicPr>
             <a:picLocks noChangeAspect="1" noChangeArrowheads="1"/>
           </p:cNvPicPr>
@@ -3815,8 +3815,8 @@
         </p:blipFill>
         <p:spPr bwMode="auto">
           <a:xfrm>
-            <a:off x="115889" y="3124200"/>
-            <a:ext cx="3236911" cy="1680179"/>
+            <a:off x="155575" y="2988471"/>
+            <a:ext cx="3749675" cy="1782393"/>
           </a:xfrm>
           <a:prstGeom prst="rect">
             <a:avLst/>
@@ -4087,11 +4087,7 @@
             <a:pPr algn="ctr"/>
             <a:r>
               <a:rPr lang="en-US" sz="1200" dirty="0" smtClean="0"/>
-              <a:t>ThrowsAdvice</a:t>
-            </a:r>
-            <a:r>
-              <a:rPr lang="en-US" sz="1200" dirty="0" smtClean="0"/>
-              <a:t> </a:t>
+              <a:t>ThrowsAdvice </a:t>
             </a:r>
             <a:r>
               <a:rPr lang="en-US" sz="1200" dirty="0"/>
@@ -4108,7 +4104,7 @@
         </p:nvSpPr>
         <p:spPr>
           <a:xfrm>
-            <a:off x="5486400" y="2762193"/>
+            <a:off x="2209800" y="3368309"/>
             <a:ext cx="304800" cy="226278"/>
           </a:xfrm>
           <a:prstGeom prst="ellipse">
@@ -4150,7 +4146,7 @@
         </p:nvSpPr>
         <p:spPr>
           <a:xfrm>
-            <a:off x="2590800" y="3333170"/>
+            <a:off x="5029200" y="2875332"/>
             <a:ext cx="304800" cy="226278"/>
           </a:xfrm>
           <a:prstGeom prst="ellipse">
@@ -4184,15 +4180,91 @@
           </a:p>
         </p:txBody>
       </p:sp>
-      <p:sp>
-        <p:nvSpPr>
-          <p:cNvPr id="19" name="Rounded Rectangle 18"/>
+      <p:cxnSp>
+        <p:nvCxnSpPr>
+          <p:cNvPr id="13" name="Straight Arrow Connector 12"/>
+          <p:cNvCxnSpPr/>
+          <p:nvPr/>
+        </p:nvCxnSpPr>
+        <p:spPr>
+          <a:xfrm flipV="1">
+            <a:off x="3609975" y="3101610"/>
+            <a:ext cx="1495425" cy="1028700"/>
+          </a:xfrm>
+          <a:prstGeom prst="straightConnector1">
+            <a:avLst/>
+          </a:prstGeom>
+          <a:ln>
+            <a:tailEnd type="arrow"/>
+          </a:ln>
+        </p:spPr>
+        <p:style>
+          <a:lnRef idx="1">
+            <a:schemeClr val="accent2"/>
+          </a:lnRef>
+          <a:fillRef idx="0">
+            <a:schemeClr val="accent2"/>
+          </a:fillRef>
+          <a:effectRef idx="0">
+            <a:schemeClr val="accent2"/>
+          </a:effectRef>
+          <a:fontRef idx="minor">
+            <a:schemeClr val="tx1"/>
+          </a:fontRef>
+        </p:style>
+      </p:cxnSp>
+      <p:sp>
+        <p:nvSpPr>
+          <p:cNvPr id="12" name="TextBox 11"/>
+          <p:cNvSpPr txBox="1"/>
+          <p:nvPr/>
+        </p:nvSpPr>
+        <p:spPr>
+          <a:xfrm rot="19451989">
+            <a:off x="3499341" y="3362490"/>
+            <a:ext cx="1353769" cy="276999"/>
+          </a:xfrm>
+          <a:prstGeom prst="rect">
+            <a:avLst/>
+          </a:prstGeom>
+        </p:spPr>
+        <p:style>
+          <a:lnRef idx="1">
+            <a:schemeClr val="accent1"/>
+          </a:lnRef>
+          <a:fillRef idx="2">
+            <a:schemeClr val="accent1"/>
+          </a:fillRef>
+          <a:effectRef idx="1">
+            <a:schemeClr val="accent1"/>
+          </a:effectRef>
+          <a:fontRef idx="minor">
+            <a:schemeClr val="dk1"/>
+          </a:fontRef>
+        </p:style>
+        <p:txBody>
+          <a:bodyPr wrap="none" rtlCol="0">
+            <a:spAutoFit/>
+          </a:bodyPr>
+          <a:lstStyle/>
+          <a:p>
+            <a:r>
+              <a:rPr lang="en-US" sz="1200" dirty="0" smtClean="0"/>
+              <a:t>If exception occurs</a:t>
+            </a:r>
+            <a:endParaRPr lang="en-US" sz="1200" dirty="0"/>
+          </a:p>
+        </p:txBody>
+      </p:sp>
+      <p:sp>
+        <p:nvSpPr>
+          <p:cNvPr id="25" name="Rounded Rectangle 24"/>
           <p:cNvSpPr/>
           <p:nvPr/>
         </p:nvSpPr>
         <p:spPr>
           <a:xfrm>
-            <a:off x="0" y="403518"/>
+            <a:off x="127000" y="381000"/>
             <a:ext cx="4464050" cy="1752600"/>
           </a:xfrm>
           <a:prstGeom prst="roundRect">
@@ -4225,13 +4297,13 @@
       </p:sp>
       <p:sp>
         <p:nvSpPr>
-          <p:cNvPr id="20" name="Rounded Rectangle 19"/>
+          <p:cNvPr id="26" name="Rounded Rectangle 25"/>
           <p:cNvSpPr/>
           <p:nvPr/>
         </p:nvSpPr>
         <p:spPr>
           <a:xfrm>
-            <a:off x="523874" y="1185690"/>
+            <a:off x="288925" y="904638"/>
             <a:ext cx="1066800" cy="381000"/>
           </a:xfrm>
           <a:prstGeom prst="roundRect">
@@ -4267,14 +4339,14 @@
       </p:sp>
       <p:sp>
         <p:nvSpPr>
-          <p:cNvPr id="21" name="Rectangle 20"/>
+          <p:cNvPr id="27" name="Rectangle 26"/>
           <p:cNvSpPr/>
           <p:nvPr/>
         </p:nvSpPr>
         <p:spPr>
           <a:xfrm>
-            <a:off x="495300" y="740866"/>
-            <a:ext cx="1115755" cy="276999"/>
+            <a:off x="793750" y="1346121"/>
+            <a:ext cx="1093954" cy="276999"/>
           </a:xfrm>
           <a:prstGeom prst="rect">
             <a:avLst/>
@@ -4301,8 +4373,12 @@
           <a:lstStyle/>
           <a:p>
             <a:r>
+              <a:rPr lang="en-US" sz="1200" dirty="0" smtClean="0"/>
+              <a:t>Throws</a:t>
+            </a:r>
+            <a:r>
               <a:rPr lang="en-US" sz="1200" dirty="0"/>
-              <a:t>Around </a:t>
+              <a:t> </a:t>
             </a:r>
             <a:r>
               <a:rPr lang="en-US" sz="1200" dirty="0" smtClean="0"/>
@@ -4314,19 +4390,19 @@
       </p:sp>
       <p:sp>
         <p:nvSpPr>
-          <p:cNvPr id="22" name="Rounded Rectangular Callout 21"/>
+          <p:cNvPr id="29" name="Rounded Rectangular Callout 28"/>
           <p:cNvSpPr/>
           <p:nvPr/>
         </p:nvSpPr>
         <p:spPr>
           <a:xfrm>
-            <a:off x="2286000" y="861857"/>
-            <a:ext cx="2133600" cy="612648"/>
+            <a:off x="1952624" y="1095138"/>
+            <a:ext cx="2517775" cy="523496"/>
           </a:xfrm>
           <a:prstGeom prst="wedgeRoundRectCallout">
             <a:avLst>
-              <a:gd name="adj1" fmla="val -68601"/>
-              <a:gd name="adj2" fmla="val 26741"/>
+              <a:gd name="adj1" fmla="val -53370"/>
+              <a:gd name="adj2" fmla="val 29132"/>
               <a:gd name="adj3" fmla="val 16667"/>
             </a:avLst>
           </a:prstGeom>
@@ -4356,7 +4432,11 @@
                   <a:srgbClr val="FF0000"/>
                 </a:solidFill>
               </a:rPr>
-              <a:t>Around Advice </a:t>
+              <a:t>Throws Advice</a:t>
+            </a:r>
+            <a:r>
+              <a:rPr lang="en-US" sz="1200" dirty="0"/>
+              <a:t> </a:t>
             </a:r>
             <a:r>
               <a:rPr lang="en-US" sz="1200" dirty="0" smtClean="0"/>
@@ -4364,151 +4444,33 @@
             </a:r>
             <a:r>
               <a:rPr lang="en-US" sz="1200" dirty="0"/>
-              <a:t>executed before and after the actual method call.</a:t>
-            </a:r>
-          </a:p>
-        </p:txBody>
-      </p:sp>
-      <p:sp>
-        <p:nvSpPr>
-          <p:cNvPr id="23" name="Rectangle 22"/>
-          <p:cNvSpPr/>
-          <p:nvPr/>
-        </p:nvSpPr>
-        <p:spPr>
-          <a:xfrm>
-            <a:off x="523874" y="1718181"/>
-            <a:ext cx="1115755" cy="276999"/>
-          </a:xfrm>
-          <a:prstGeom prst="rect">
-            <a:avLst/>
-          </a:prstGeom>
-        </p:spPr>
-        <p:style>
-          <a:lnRef idx="1">
-            <a:schemeClr val="accent1"/>
-          </a:lnRef>
-          <a:fillRef idx="3">
-            <a:schemeClr val="accent1"/>
-          </a:fillRef>
-          <a:effectRef idx="2">
-            <a:schemeClr val="accent1"/>
-          </a:effectRef>
-          <a:fontRef idx="minor">
-            <a:schemeClr val="lt1"/>
-          </a:fontRef>
-        </p:style>
-        <p:txBody>
-          <a:bodyPr wrap="none">
-            <a:spAutoFit/>
-          </a:bodyPr>
-          <a:lstStyle/>
-          <a:p>
+              <a:t>executed if actual method throws </a:t>
+            </a:r>
+            <a:r>
+              <a:rPr lang="en-US" sz="1200" dirty="0" smtClean="0"/>
+              <a:t>an exception</a:t>
+            </a:r>
             <a:r>
               <a:rPr lang="en-US" sz="1200" dirty="0"/>
-              <a:t>Around </a:t>
-            </a:r>
-            <a:r>
-              <a:rPr lang="en-US" sz="1200" dirty="0" smtClean="0"/>
-              <a:t>Advice</a:t>
-            </a:r>
-            <a:endParaRPr lang="en-US" sz="1200" dirty="0"/>
-          </a:p>
-        </p:txBody>
-      </p:sp>
-      <p:sp>
-        <p:nvSpPr>
-          <p:cNvPr id="7" name="Right Brace 6"/>
-          <p:cNvSpPr/>
-          <p:nvPr/>
-        </p:nvSpPr>
-        <p:spPr>
-          <a:xfrm>
-            <a:off x="1639629" y="861857"/>
-            <a:ext cx="341571" cy="994823"/>
-          </a:xfrm>
-          <a:prstGeom prst="rightBrace">
-            <a:avLst/>
-          </a:prstGeom>
-        </p:spPr>
-        <p:style>
-          <a:lnRef idx="1">
-            <a:schemeClr val="accent4"/>
-          </a:lnRef>
-          <a:fillRef idx="0">
-            <a:schemeClr val="accent4"/>
-          </a:fillRef>
-          <a:effectRef idx="0">
-            <a:schemeClr val="accent4"/>
-          </a:effectRef>
-          <a:fontRef idx="minor">
-            <a:schemeClr val="tx1"/>
-          </a:fontRef>
-        </p:style>
-        <p:txBody>
-          <a:bodyPr rtlCol="0" anchor="ctr"/>
-          <a:lstStyle/>
-          <a:p>
-            <a:pPr algn="ctr"/>
-            <a:endParaRPr lang="en-US"/>
-          </a:p>
-        </p:txBody>
-      </p:sp>
-      <p:sp>
-        <p:nvSpPr>
-          <p:cNvPr id="24" name="Oval 23"/>
-          <p:cNvSpPr/>
-          <p:nvPr/>
-        </p:nvSpPr>
-        <p:spPr>
-          <a:xfrm>
-            <a:off x="5486400" y="3124200"/>
-            <a:ext cx="304800" cy="226278"/>
-          </a:xfrm>
-          <a:prstGeom prst="ellipse">
-            <a:avLst/>
-          </a:prstGeom>
-        </p:spPr>
-        <p:style>
-          <a:lnRef idx="1">
-            <a:schemeClr val="accent2"/>
-          </a:lnRef>
-          <a:fillRef idx="3">
-            <a:schemeClr val="accent2"/>
-          </a:fillRef>
-          <a:effectRef idx="2">
-            <a:schemeClr val="accent2"/>
-          </a:effectRef>
-          <a:fontRef idx="minor">
-            <a:schemeClr val="lt1"/>
-          </a:fontRef>
-        </p:style>
-        <p:txBody>
-          <a:bodyPr rtlCol="0" anchor="ctr"/>
-          <a:lstStyle/>
-          <a:p>
-            <a:pPr algn="ctr"/>
-            <a:r>
-              <a:rPr lang="en-US" sz="1200" dirty="0"/>
-              <a:t>3</a:t>
+              <a:t>.</a:t>
             </a:r>
           </a:p>
         </p:txBody>
       </p:sp>
       <p:cxnSp>
         <p:nvCxnSpPr>
-          <p:cNvPr id="13" name="Straight Arrow Connector 12"/>
+          <p:cNvPr id="30" name="Elbow Connector 29"/>
           <p:cNvCxnSpPr>
-            <a:endCxn id="28" idx="7"/>
+            <a:stCxn id="26" idx="3"/>
           </p:cNvCxnSpPr>
           <p:nvPr/>
         </p:nvCxnSpPr>
         <p:spPr>
-          <a:xfrm flipH="1">
-            <a:off x="2850963" y="3048000"/>
-            <a:ext cx="2940237" cy="318308"/>
+          <a:xfrm>
+            <a:off x="1355725" y="1095138"/>
+            <a:ext cx="142875" cy="250983"/>
           </a:xfrm>
-          <a:prstGeom prst="straightConnector1">
+          <a:prstGeom prst="bentConnector2">
             <a:avLst/>
           </a:prstGeom>
           <a:ln>
@@ -4577,7 +4539,7 @@
       </p:grpSpPr>
       <p:pic>
         <p:nvPicPr>
-          <p:cNvPr id="6" name="Picture 2"/>
+          <p:cNvPr id="1026" name="Picture 2"/>
           <p:cNvPicPr>
             <a:picLocks noChangeAspect="1" noChangeArrowheads="1"/>
           </p:cNvPicPr>
@@ -4598,8 +4560,8 @@
         </p:blipFill>
         <p:spPr bwMode="auto">
           <a:xfrm>
-            <a:off x="76200" y="1066799"/>
-            <a:ext cx="5105400" cy="3286125"/>
+            <a:off x="76200" y="838200"/>
+            <a:ext cx="5181600" cy="3657599"/>
           </a:xfrm>
           <a:prstGeom prst="rect">
             <a:avLst/>
@@ -4610,14 +4572,14 @@
           <a:lnRef idx="1">
             <a:schemeClr val="accent4"/>
           </a:lnRef>
-          <a:fillRef idx="2">
+          <a:fillRef idx="3">
             <a:schemeClr val="accent4"/>
           </a:fillRef>
-          <a:effectRef idx="1">
+          <a:effectRef idx="2">
             <a:schemeClr val="accent4"/>
           </a:effectRef>
           <a:fontRef idx="minor">
-            <a:schemeClr val="dk1"/>
+            <a:schemeClr val="lt1"/>
           </a:fontRef>
         </p:style>
       </p:pic>
@@ -4805,16 +4767,16 @@
               <a:t>class, second for </a:t>
             </a:r>
             <a:r>
-              <a:rPr lang="en-US" sz="1200" dirty="0" smtClean="0">
+              <a:rPr lang="en-US" sz="1200" i="1" dirty="0" smtClean="0">
                 <a:solidFill>
                   <a:srgbClr val="FF0000"/>
                 </a:solidFill>
               </a:rPr>
-              <a:t>AroundAdvice</a:t>
+              <a:t>loggingAdvice </a:t>
             </a:r>
             <a:r>
               <a:rPr lang="en-US" sz="1200" dirty="0" smtClean="0"/>
-              <a:t> class </a:t>
+              <a:t>class </a:t>
             </a:r>
             <a:r>
               <a:rPr lang="en-US" sz="1200" dirty="0"/>
@@ -4882,16 +4844,20 @@
               <a:t>class will be considered as target object and the instance of </a:t>
             </a:r>
             <a:r>
-              <a:rPr lang="en-US" sz="1200" dirty="0" smtClean="0">
+              <a:rPr lang="en-US" sz="1200" i="1" dirty="0" smtClean="0">
                 <a:solidFill>
                   <a:srgbClr val="FF0000"/>
                 </a:solidFill>
               </a:rPr>
-              <a:t>AroundAdvice</a:t>
+              <a:t>loggingAdvice</a:t>
+            </a:r>
+            <a:r>
+              <a:rPr lang="en-US" sz="1200" i="1" dirty="0" smtClean="0"/>
+              <a:t> </a:t>
             </a:r>
             <a:r>
               <a:rPr lang="en-US" sz="1200" dirty="0" smtClean="0"/>
-              <a:t> class </a:t>
+              <a:t>class </a:t>
             </a:r>
             <a:r>
               <a:rPr lang="en-US" sz="1200" dirty="0"/>
@@ -5032,11 +4998,7 @@
             <a:pPr algn="ctr"/>
             <a:r>
               <a:rPr lang="en-US" sz="1200" dirty="0" smtClean="0"/>
-              <a:t>ThrowsAdvice</a:t>
-            </a:r>
-            <a:r>
-              <a:rPr lang="en-US" sz="1200" dirty="0" smtClean="0"/>
-              <a:t> </a:t>
+              <a:t>ThrowsAdvice </a:t>
             </a:r>
             <a:r>
               <a:rPr lang="en-US" sz="1200" dirty="0"/>
@@ -5256,52 +5218,6 @@
           </a:fontRef>
         </p:style>
       </p:pic>
-      <p:pic>
-        <p:nvPicPr>
-          <p:cNvPr id="3074" name="Picture 2"/>
-          <p:cNvPicPr>
-            <a:picLocks noChangeAspect="1" noChangeArrowheads="1"/>
-          </p:cNvPicPr>
-          <p:nvPr/>
-        </p:nvPicPr>
-        <p:blipFill>
-          <a:blip r:embed="rId4">
-            <a:extLst>
-              <a:ext uri="{28A0092B-C50C-407E-A947-70E740481C1C}">
-                <a14:useLocalDpi xmlns:a14="http://schemas.microsoft.com/office/drawing/2010/main" val="0"/>
-              </a:ext>
-            </a:extLst>
-          </a:blip>
-          <a:srcRect/>
-          <a:stretch>
-            <a:fillRect/>
-          </a:stretch>
-        </p:blipFill>
-        <p:spPr bwMode="auto">
-          <a:xfrm>
-            <a:off x="38100" y="3333061"/>
-            <a:ext cx="9067800" cy="1543740"/>
-          </a:xfrm>
-          <a:prstGeom prst="rect">
-            <a:avLst/>
-          </a:prstGeom>
-          <a:ln/>
-        </p:spPr>
-        <p:style>
-          <a:lnRef idx="1">
-            <a:schemeClr val="accent4"/>
-          </a:lnRef>
-          <a:fillRef idx="3">
-            <a:schemeClr val="accent4"/>
-          </a:fillRef>
-          <a:effectRef idx="2">
-            <a:schemeClr val="accent4"/>
-          </a:effectRef>
-          <a:fontRef idx="minor">
-            <a:schemeClr val="lt1"/>
-          </a:fontRef>
-        </p:style>
-      </p:pic>
       <p:sp>
         <p:nvSpPr>
           <p:cNvPr id="8" name="Rectangle 7"/>
@@ -5434,11 +5350,7 @@
             <a:pPr algn="ctr"/>
             <a:r>
               <a:rPr lang="en-US" sz="1200" dirty="0" smtClean="0"/>
-              <a:t>ThrowsAdvice</a:t>
-            </a:r>
-            <a:r>
-              <a:rPr lang="en-US" sz="1200" dirty="0" smtClean="0"/>
-              <a:t> </a:t>
+              <a:t>ThrowsAdvice </a:t>
             </a:r>
             <a:r>
               <a:rPr lang="en-US" sz="1200" dirty="0"/>
@@ -5447,6 +5359,52 @@
           </a:p>
         </p:txBody>
       </p:sp>
+      <p:pic>
+        <p:nvPicPr>
+          <p:cNvPr id="2051" name="Picture 3"/>
+          <p:cNvPicPr>
+            <a:picLocks noChangeAspect="1" noChangeArrowheads="1"/>
+          </p:cNvPicPr>
+          <p:nvPr/>
+        </p:nvPicPr>
+        <p:blipFill>
+          <a:blip r:embed="rId4">
+            <a:extLst>
+              <a:ext uri="{28A0092B-C50C-407E-A947-70E740481C1C}">
+                <a14:useLocalDpi xmlns:a14="http://schemas.microsoft.com/office/drawing/2010/main" val="0"/>
+              </a:ext>
+            </a:extLst>
+          </a:blip>
+          <a:srcRect/>
+          <a:stretch>
+            <a:fillRect/>
+          </a:stretch>
+        </p:blipFill>
+        <p:spPr bwMode="auto">
+          <a:xfrm>
+            <a:off x="38100" y="3352800"/>
+            <a:ext cx="9039225" cy="1483826"/>
+          </a:xfrm>
+          <a:prstGeom prst="rect">
+            <a:avLst/>
+          </a:prstGeom>
+          <a:ln/>
+        </p:spPr>
+        <p:style>
+          <a:lnRef idx="1">
+            <a:schemeClr val="accent4"/>
+          </a:lnRef>
+          <a:fillRef idx="2">
+            <a:schemeClr val="accent4"/>
+          </a:fillRef>
+          <a:effectRef idx="1">
+            <a:schemeClr val="accent4"/>
+          </a:effectRef>
+          <a:fontRef idx="minor">
+            <a:schemeClr val="dk1"/>
+          </a:fontRef>
+        </p:style>
+      </p:pic>
     </p:spTree>
     <p:extLst>
       <p:ext uri="{BB962C8B-B14F-4D97-AF65-F5344CB8AC3E}">
